--- a/Courses/Applied-Programmer/Programming-Fundamentals/03-Масиви-и-списъци/10.Работа-с-масиви-въвеждане-извеждане.pptx
+++ b/Courses/Applied-Programmer/Programming-Fundamentals/03-Масиви-и-списъци/10.Работа-с-масиви-въвеждане-извеждане.pptx
@@ -349,7 +349,7 @@
             <a:fld id="{FE5B4EDC-59C0-49C7-8ADA-5A781B329E02}" type="datetimeFigureOut">
               <a:rPr lang="en-US"/>
               <a:pPr/>
-              <a:t>16-Dec-19</a:t>
+              <a:t>10-Nov-20</a:t>
             </a:fld>
             <a:endParaRPr dirty="0"/>
           </a:p>
@@ -647,7 +647,7 @@
             <a:fld id="{F2D8D46A-B586-417D-BFBD-8C8FE0AAF762}" type="datetimeFigureOut">
               <a:rPr lang="en-US" smtClean="0"/>
               <a:pPr/>
-              <a:t>16-Dec-19</a:t>
+              <a:t>10-Nov-20</a:t>
             </a:fld>
             <a:endParaRPr lang="en-US" dirty="0"/>
           </a:p>
@@ -7883,7 +7883,7 @@
         </p:nvGrpSpPr>
         <p:grpSpPr>
           <a:xfrm>
-            <a:off x="3679125" y="4210594"/>
+            <a:off x="3679125" y="4572000"/>
             <a:ext cx="4827398" cy="1733006"/>
             <a:chOff x="3629214" y="4058194"/>
             <a:chExt cx="4827398" cy="1733006"/>
@@ -8451,7 +8451,7 @@
         </p:nvSpPr>
         <p:spPr bwMode="auto">
           <a:xfrm>
-            <a:off x="836611" y="1162664"/>
+            <a:off x="836611" y="1317812"/>
             <a:ext cx="10591801" cy="4854388"/>
           </a:xfrm>
           <a:prstGeom prst="rect">
@@ -9566,7 +9566,7 @@
                 <a:spcPct val="100000"/>
               </a:lnSpc>
               <a:spcBef>
-                <a:spcPts val="1200"/>
+                <a:spcPts val="2400"/>
               </a:spcBef>
             </a:pPr>
             <a:r>
@@ -9591,9 +9591,6 @@
               <a:lnSpc>
                 <a:spcPct val="100000"/>
               </a:lnSpc>
-              <a:spcBef>
-                <a:spcPts val="1200"/>
-              </a:spcBef>
             </a:pPr>
             <a:endParaRPr lang="bg-BG" sz="3200" dirty="0">
               <a:solidFill>
@@ -9606,9 +9603,6 @@
               <a:lnSpc>
                 <a:spcPct val="100000"/>
               </a:lnSpc>
-              <a:spcBef>
-                <a:spcPts val="1200"/>
-              </a:spcBef>
             </a:pPr>
             <a:r>
               <a:rPr lang="bg-BG" sz="3200" dirty="0">
@@ -9686,7 +9680,7 @@
         </p:blipFill>
         <p:spPr>
           <a:xfrm>
-            <a:off x="8532812" y="1377743"/>
+            <a:off x="8747774" y="1151118"/>
             <a:ext cx="2209800" cy="1412018"/>
           </a:xfrm>
           <a:prstGeom prst="rect">
@@ -9741,7 +9735,7 @@
         </p:nvSpPr>
         <p:spPr>
           <a:xfrm>
-            <a:off x="608012" y="2990673"/>
+            <a:off x="608012" y="3018666"/>
             <a:ext cx="7181272" cy="945625"/>
           </a:xfrm>
           <a:prstGeom prst="rect">
@@ -10010,7 +10004,7 @@
         </p:nvSpPr>
         <p:spPr>
           <a:xfrm>
-            <a:off x="608012" y="4606591"/>
+            <a:off x="608012" y="4648200"/>
             <a:ext cx="3218872" cy="545516"/>
           </a:xfrm>
           <a:prstGeom prst="rect">
@@ -10260,7 +10254,7 @@
         </p:nvSpPr>
         <p:spPr>
           <a:xfrm>
-            <a:off x="608012" y="5802597"/>
+            <a:off x="608012" y="5943600"/>
             <a:ext cx="7181272" cy="545516"/>
           </a:xfrm>
           <a:prstGeom prst="rect">
@@ -11563,14 +11557,15 @@
           <a:p>
             <a:r>
               <a:rPr lang="bg-BG" dirty="0"/>
-              <a:t>Чрез</a:t>
-            </a:r>
-            <a:r>
-              <a:rPr lang="en-US" dirty="0"/>
-              <a:t>  </a:t>
+              <a:t>Чрез </a:t>
             </a:r>
             <a:r>
               <a:rPr lang="en-US" b="1" dirty="0">
+                <a:solidFill>
+                  <a:schemeClr val="tx2">
+                    <a:lumMod val="75000"/>
+                  </a:schemeClr>
+                </a:solidFill>
                 <a:latin typeface="Consolas" panose="020B0609020204030204" pitchFamily="49" charset="0"/>
               </a:rPr>
               <a:t>for</a:t>
@@ -11589,6 +11584,11 @@
             </a:r>
             <a:r>
               <a:rPr lang="en-US" b="1" noProof="1">
+                <a:solidFill>
+                  <a:schemeClr val="tx2">
+                    <a:lumMod val="75000"/>
+                  </a:schemeClr>
+                </a:solidFill>
                 <a:latin typeface="Consolas" panose="020B0609020204030204" pitchFamily="49" charset="0"/>
               </a:rPr>
               <a:t>String.Split()</a:t>
@@ -14905,10 +14905,6 @@
             <a:r>
               <a:rPr lang="bg-BG" dirty="0"/>
               <a:t>или </a:t>
-            </a:r>
-            <a:r>
-              <a:rPr lang="en-US" dirty="0"/>
-              <a:t> </a:t>
             </a:r>
             <a:r>
               <a:rPr lang="bg-BG" dirty="0">
@@ -16113,7 +16109,7 @@
         </p:nvSpPr>
         <p:spPr bwMode="auto">
           <a:xfrm>
-            <a:off x="1693862" y="2948013"/>
+            <a:off x="1693862" y="3329013"/>
             <a:ext cx="958799" cy="2538387"/>
           </a:xfrm>
           <a:prstGeom prst="rect">
@@ -16276,7 +16272,7 @@
         </p:nvSpPr>
         <p:spPr bwMode="auto">
           <a:xfrm>
-            <a:off x="3457180" y="2945003"/>
+            <a:off x="3457180" y="3326003"/>
             <a:ext cx="1978285" cy="2541397"/>
           </a:xfrm>
           <a:prstGeom prst="rect">
@@ -16356,7 +16352,7 @@
         </p:nvSpPr>
         <p:spPr>
           <a:xfrm>
-            <a:off x="2864420" y="3810624"/>
+            <a:off x="2864420" y="4191624"/>
             <a:ext cx="381000" cy="346180"/>
           </a:xfrm>
           <a:prstGeom prst="rightArrow">
@@ -16398,7 +16394,7 @@
         </p:nvSpPr>
         <p:spPr bwMode="auto">
           <a:xfrm>
-            <a:off x="6253144" y="2948013"/>
+            <a:off x="6253144" y="3329013"/>
             <a:ext cx="958799" cy="2538387"/>
           </a:xfrm>
           <a:prstGeom prst="rect">
@@ -16590,7 +16586,7 @@
         </p:nvSpPr>
         <p:spPr bwMode="auto">
           <a:xfrm>
-            <a:off x="8016462" y="2945003"/>
+            <a:off x="8016462" y="3326003"/>
             <a:ext cx="2478500" cy="2541397"/>
           </a:xfrm>
           <a:prstGeom prst="rect">
@@ -16670,7 +16666,7 @@
         </p:nvSpPr>
         <p:spPr>
           <a:xfrm>
-            <a:off x="7444163" y="4098674"/>
+            <a:off x="7444163" y="4479674"/>
             <a:ext cx="381000" cy="346180"/>
           </a:xfrm>
           <a:prstGeom prst="rightArrow">
@@ -16827,7 +16823,7 @@
         </p:nvSpPr>
         <p:spPr bwMode="auto">
           <a:xfrm>
-            <a:off x="796923" y="1905000"/>
+            <a:off x="796923" y="1524000"/>
             <a:ext cx="10591801" cy="4454278"/>
           </a:xfrm>
           <a:prstGeom prst="rect">

--- a/Courses/Applied-Programmer/Programming-Fundamentals/03-Масиви-и-списъци/10.Работа-с-масиви-въвеждане-извеждане.pptx
+++ b/Courses/Applied-Programmer/Programming-Fundamentals/03-Масиви-и-списъци/10.Работа-с-масиви-въвеждане-извеждане.pptx
@@ -349,7 +349,7 @@
             <a:fld id="{FE5B4EDC-59C0-49C7-8ADA-5A781B329E02}" type="datetimeFigureOut">
               <a:rPr lang="en-US"/>
               <a:pPr/>
-              <a:t>10-Nov-20</a:t>
+              <a:t>13-Nov-20</a:t>
             </a:fld>
             <a:endParaRPr dirty="0"/>
           </a:p>
@@ -647,7 +647,7 @@
             <a:fld id="{F2D8D46A-B586-417D-BFBD-8C8FE0AAF762}" type="datetimeFigureOut">
               <a:rPr lang="en-US" smtClean="0"/>
               <a:pPr/>
-              <a:t>10-Nov-20</a:t>
+              <a:t>13-Nov-20</a:t>
             </a:fld>
             <a:endParaRPr lang="en-US" dirty="0"/>
           </a:p>
@@ -8388,6 +8388,55 @@
           </a:p>
         </p:txBody>
       </p:sp>
+      <p:sp>
+        <p:nvSpPr>
+          <p:cNvPr id="21" name="Rectangle 20"/>
+          <p:cNvSpPr/>
+          <p:nvPr/>
+        </p:nvSpPr>
+        <p:spPr>
+          <a:xfrm>
+            <a:off x="2333582" y="6320135"/>
+            <a:ext cx="7647030" cy="461665"/>
+          </a:xfrm>
+          <a:prstGeom prst="rect">
+            <a:avLst/>
+          </a:prstGeom>
+        </p:spPr>
+        <p:txBody>
+          <a:bodyPr wrap="none">
+            <a:spAutoFit/>
+          </a:bodyPr>
+          <a:lstStyle/>
+          <a:p>
+            <a:r>
+              <a:rPr lang="bg-BG" dirty="0" smtClean="0"/>
+              <a:t>Тествайте</a:t>
+            </a:r>
+            <a:r>
+              <a:rPr lang="en-US" dirty="0" smtClean="0"/>
+              <a:t> </a:t>
+            </a:r>
+            <a:r>
+              <a:rPr lang="en-US" dirty="0"/>
+              <a:t>в Judge: </a:t>
+            </a:r>
+            <a:r>
+              <a:rPr lang="en-US" dirty="0">
+                <a:hlinkClick r:id="rId2"/>
+              </a:rPr>
+              <a:t>https://</a:t>
+            </a:r>
+            <a:r>
+              <a:rPr lang="en-US" dirty="0" smtClean="0">
+                <a:hlinkClick r:id="rId2"/>
+              </a:rPr>
+              <a:t>judge.softuni.bg/Contests/2636</a:t>
+            </a:r>
+            <a:endParaRPr lang="en-US" dirty="0"/>
+          </a:p>
+        </p:txBody>
+      </p:sp>
     </p:spTree>
     <p:extLst>
       <p:ext uri="{BB962C8B-B14F-4D97-AF65-F5344CB8AC3E}">
@@ -8954,6 +9003,55 @@
                 </a:prstClr>
               </a:solidFill>
             </a:endParaRPr>
+          </a:p>
+        </p:txBody>
+      </p:sp>
+      <p:sp>
+        <p:nvSpPr>
+          <p:cNvPr id="5" name="Rectangle 4"/>
+          <p:cNvSpPr/>
+          <p:nvPr/>
+        </p:nvSpPr>
+        <p:spPr>
+          <a:xfrm>
+            <a:off x="2333582" y="6248400"/>
+            <a:ext cx="7647030" cy="461665"/>
+          </a:xfrm>
+          <a:prstGeom prst="rect">
+            <a:avLst/>
+          </a:prstGeom>
+        </p:spPr>
+        <p:txBody>
+          <a:bodyPr wrap="none">
+            <a:spAutoFit/>
+          </a:bodyPr>
+          <a:lstStyle/>
+          <a:p>
+            <a:r>
+              <a:rPr lang="bg-BG" dirty="0" smtClean="0"/>
+              <a:t>Тествайте</a:t>
+            </a:r>
+            <a:r>
+              <a:rPr lang="en-US" dirty="0" smtClean="0"/>
+              <a:t> </a:t>
+            </a:r>
+            <a:r>
+              <a:rPr lang="en-US" dirty="0"/>
+              <a:t>в Judge: </a:t>
+            </a:r>
+            <a:r>
+              <a:rPr lang="en-US" dirty="0">
+                <a:hlinkClick r:id="rId2"/>
+              </a:rPr>
+              <a:t>https://</a:t>
+            </a:r>
+            <a:r>
+              <a:rPr lang="en-US" dirty="0" smtClean="0">
+                <a:hlinkClick r:id="rId2"/>
+              </a:rPr>
+              <a:t>judge.softuni.bg/Contests/2636</a:t>
+            </a:r>
+            <a:endParaRPr lang="en-US" dirty="0"/>
           </a:p>
         </p:txBody>
       </p:sp>
@@ -16758,6 +16856,55 @@
           </a:p>
         </p:txBody>
       </p:sp>
+      <p:sp>
+        <p:nvSpPr>
+          <p:cNvPr id="2" name="Rectangle 1"/>
+          <p:cNvSpPr/>
+          <p:nvPr/>
+        </p:nvSpPr>
+        <p:spPr>
+          <a:xfrm>
+            <a:off x="2333582" y="6248400"/>
+            <a:ext cx="7647030" cy="461665"/>
+          </a:xfrm>
+          <a:prstGeom prst="rect">
+            <a:avLst/>
+          </a:prstGeom>
+        </p:spPr>
+        <p:txBody>
+          <a:bodyPr wrap="none">
+            <a:spAutoFit/>
+          </a:bodyPr>
+          <a:lstStyle/>
+          <a:p>
+            <a:r>
+              <a:rPr lang="bg-BG" dirty="0" smtClean="0"/>
+              <a:t>Тествайте</a:t>
+            </a:r>
+            <a:r>
+              <a:rPr lang="en-US" dirty="0" smtClean="0"/>
+              <a:t> </a:t>
+            </a:r>
+            <a:r>
+              <a:rPr lang="en-US" dirty="0"/>
+              <a:t>в Judge: </a:t>
+            </a:r>
+            <a:r>
+              <a:rPr lang="en-US" dirty="0">
+                <a:hlinkClick r:id="rId2"/>
+              </a:rPr>
+              <a:t>https://</a:t>
+            </a:r>
+            <a:r>
+              <a:rPr lang="en-US" dirty="0" smtClean="0">
+                <a:hlinkClick r:id="rId2"/>
+              </a:rPr>
+              <a:t>judge.softuni.bg/Contests/2636</a:t>
+            </a:r>
+            <a:endParaRPr lang="en-US" dirty="0"/>
+          </a:p>
+        </p:txBody>
+      </p:sp>
     </p:spTree>
     <p:extLst>
       <p:ext uri="{BB962C8B-B14F-4D97-AF65-F5344CB8AC3E}">
@@ -17309,6 +17456,55 @@
                 </a:prstClr>
               </a:solidFill>
             </a:endParaRPr>
+          </a:p>
+        </p:txBody>
+      </p:sp>
+      <p:sp>
+        <p:nvSpPr>
+          <p:cNvPr id="5" name="Rectangle 4"/>
+          <p:cNvSpPr/>
+          <p:nvPr/>
+        </p:nvSpPr>
+        <p:spPr>
+          <a:xfrm>
+            <a:off x="2333582" y="6248400"/>
+            <a:ext cx="7647030" cy="461665"/>
+          </a:xfrm>
+          <a:prstGeom prst="rect">
+            <a:avLst/>
+          </a:prstGeom>
+        </p:spPr>
+        <p:txBody>
+          <a:bodyPr wrap="none">
+            <a:spAutoFit/>
+          </a:bodyPr>
+          <a:lstStyle/>
+          <a:p>
+            <a:r>
+              <a:rPr lang="bg-BG" dirty="0" smtClean="0"/>
+              <a:t>Тествайте</a:t>
+            </a:r>
+            <a:r>
+              <a:rPr lang="en-US" dirty="0" smtClean="0"/>
+              <a:t> </a:t>
+            </a:r>
+            <a:r>
+              <a:rPr lang="en-US" dirty="0"/>
+              <a:t>в Judge: </a:t>
+            </a:r>
+            <a:r>
+              <a:rPr lang="en-US" dirty="0">
+                <a:hlinkClick r:id="rId2"/>
+              </a:rPr>
+              <a:t>https://</a:t>
+            </a:r>
+            <a:r>
+              <a:rPr lang="en-US" dirty="0" smtClean="0">
+                <a:hlinkClick r:id="rId2"/>
+              </a:rPr>
+              <a:t>judge.softuni.bg/Contests/2636</a:t>
+            </a:r>
+            <a:endParaRPr lang="en-US" dirty="0"/>
           </a:p>
         </p:txBody>
       </p:sp>

--- a/Courses/Applied-Programmer/Programming-Fundamentals/03-Масиви-и-списъци/10.Работа-с-масиви-въвеждане-извеждане.pptx
+++ b/Courses/Applied-Programmer/Programming-Fundamentals/03-Масиви-и-списъци/10.Работа-с-масиви-въвеждане-извеждане.pptx
@@ -349,7 +349,7 @@
             <a:fld id="{FE5B4EDC-59C0-49C7-8ADA-5A781B329E02}" type="datetimeFigureOut">
               <a:rPr lang="en-US"/>
               <a:pPr/>
-              <a:t>13-Nov-20</a:t>
+              <a:t>19-Nov-20</a:t>
             </a:fld>
             <a:endParaRPr dirty="0"/>
           </a:p>
@@ -647,7 +647,7 @@
             <a:fld id="{F2D8D46A-B586-417D-BFBD-8C8FE0AAF762}" type="datetimeFigureOut">
               <a:rPr lang="en-US" smtClean="0"/>
               <a:pPr/>
-              <a:t>13-Nov-20</a:t>
+              <a:t>19-Nov-20</a:t>
             </a:fld>
             <a:endParaRPr lang="en-US" dirty="0"/>
           </a:p>
@@ -3794,10 +3794,10 @@
         </p:nvGrpSpPr>
         <p:grpSpPr>
           <a:xfrm>
-            <a:off x="760412" y="3583505"/>
-            <a:ext cx="5043827" cy="2524722"/>
-            <a:chOff x="745783" y="3624633"/>
-            <a:chExt cx="5043827" cy="2524722"/>
+            <a:off x="269072" y="3583505"/>
+            <a:ext cx="5535167" cy="2667099"/>
+            <a:chOff x="254443" y="3624633"/>
+            <a:chExt cx="5535167" cy="2667099"/>
           </a:xfrm>
         </p:grpSpPr>
         <p:pic>
@@ -3854,7 +3854,7 @@
           </p:blipFill>
           <p:spPr bwMode="auto">
             <a:xfrm>
-              <a:off x="745783" y="4076772"/>
+              <a:off x="254443" y="4222736"/>
               <a:ext cx="2175525" cy="761165"/>
             </a:xfrm>
             <a:prstGeom prst="roundRect">
@@ -3893,7 +3893,7 @@
           </p:nvSpPr>
           <p:spPr bwMode="auto">
             <a:xfrm>
-              <a:off x="760413" y="4998598"/>
+              <a:off x="254443" y="5026247"/>
               <a:ext cx="3187614" cy="444343"/>
             </a:xfrm>
             <a:prstGeom prst="rect">
@@ -4150,7 +4150,7 @@
           </p:nvSpPr>
           <p:spPr bwMode="auto">
             <a:xfrm>
-              <a:off x="760412" y="5403725"/>
+              <a:off x="254444" y="5440227"/>
               <a:ext cx="3187613" cy="382788"/>
             </a:xfrm>
             <a:prstGeom prst="rect">
@@ -4406,7 +4406,7 @@
           </p:nvSpPr>
           <p:spPr bwMode="auto">
             <a:xfrm>
-              <a:off x="760412" y="5690893"/>
+              <a:off x="254444" y="5833270"/>
               <a:ext cx="3810000" cy="458462"/>
             </a:xfrm>
             <a:prstGeom prst="rect">
@@ -4647,6 +4647,141 @@
           </p:txBody>
         </p:sp>
       </p:grpSp>
+      <p:sp>
+        <p:nvSpPr>
+          <p:cNvPr id="12" name="Text Placeholder 11">
+            <a:extLst>
+              <a:ext uri="{FF2B5EF4-FFF2-40B4-BE49-F238E27FC236}">
+                <a16:creationId xmlns:a16="http://schemas.microsoft.com/office/drawing/2014/main" id="{21F4A5B0-E32C-46D8-8FBC-9587B58B0939}"/>
+              </a:ext>
+            </a:extLst>
+          </p:cNvPr>
+          <p:cNvSpPr txBox="1">
+            <a:spLocks/>
+          </p:cNvSpPr>
+          <p:nvPr/>
+        </p:nvSpPr>
+        <p:spPr bwMode="auto">
+          <a:xfrm>
+            <a:off x="269073" y="6263573"/>
+            <a:ext cx="11885613" cy="349702"/>
+          </a:xfrm>
+          <a:prstGeom prst="rect">
+            <a:avLst/>
+          </a:prstGeom>
+          <a:noFill/>
+          <a:effectLst/>
+        </p:spPr>
+        <p:txBody>
+          <a:bodyPr vert="horz" wrap="square" lIns="36000" tIns="36000" rIns="36000" bIns="36000" rtlCol="0" anchor="ctr" anchorCtr="0">
+            <a:spAutoFit/>
+          </a:bodyPr>
+          <a:lstStyle>
+            <a:defPPr>
+              <a:defRPr lang="en-US"/>
+            </a:defPPr>
+            <a:lvl1pPr marL="0" algn="l" defTabSz="1218987" rtl="0" eaLnBrk="1" latinLnBrk="0" hangingPunct="1">
+              <a:defRPr sz="2400" kern="1200">
+                <a:solidFill>
+                  <a:schemeClr val="tx1"/>
+                </a:solidFill>
+                <a:latin typeface="+mn-lt"/>
+                <a:ea typeface="+mn-ea"/>
+                <a:cs typeface="+mn-cs"/>
+              </a:defRPr>
+            </a:lvl1pPr>
+            <a:lvl2pPr marL="609493" algn="l" defTabSz="1218987" rtl="0" eaLnBrk="1" latinLnBrk="0" hangingPunct="1">
+              <a:defRPr sz="2400" kern="1200">
+                <a:solidFill>
+                  <a:schemeClr val="tx1"/>
+                </a:solidFill>
+                <a:latin typeface="+mn-lt"/>
+                <a:ea typeface="+mn-ea"/>
+                <a:cs typeface="+mn-cs"/>
+              </a:defRPr>
+            </a:lvl2pPr>
+            <a:lvl3pPr marL="1218987" algn="l" defTabSz="1218987" rtl="0" eaLnBrk="1" latinLnBrk="0" hangingPunct="1">
+              <a:defRPr sz="2400" kern="1200">
+                <a:solidFill>
+                  <a:schemeClr val="tx1"/>
+                </a:solidFill>
+                <a:latin typeface="+mn-lt"/>
+                <a:ea typeface="+mn-ea"/>
+                <a:cs typeface="+mn-cs"/>
+              </a:defRPr>
+            </a:lvl3pPr>
+            <a:lvl4pPr marL="1828480" algn="l" defTabSz="1218987" rtl="0" eaLnBrk="1" latinLnBrk="0" hangingPunct="1">
+              <a:defRPr sz="2400" kern="1200">
+                <a:solidFill>
+                  <a:schemeClr val="tx1"/>
+                </a:solidFill>
+                <a:latin typeface="+mn-lt"/>
+                <a:ea typeface="+mn-ea"/>
+                <a:cs typeface="+mn-cs"/>
+              </a:defRPr>
+            </a:lvl4pPr>
+            <a:lvl5pPr marL="2437973" algn="l" defTabSz="1218987" rtl="0" eaLnBrk="1" latinLnBrk="0" hangingPunct="1">
+              <a:defRPr sz="2400" kern="1200">
+                <a:solidFill>
+                  <a:schemeClr val="tx1"/>
+                </a:solidFill>
+                <a:latin typeface="+mn-lt"/>
+                <a:ea typeface="+mn-ea"/>
+                <a:cs typeface="+mn-cs"/>
+              </a:defRPr>
+            </a:lvl5pPr>
+            <a:lvl6pPr marL="3047467" algn="l" defTabSz="1218987" rtl="0" eaLnBrk="1" latinLnBrk="0" hangingPunct="1">
+              <a:defRPr sz="2400" kern="1200">
+                <a:solidFill>
+                  <a:schemeClr val="tx1"/>
+                </a:solidFill>
+                <a:latin typeface="+mn-lt"/>
+                <a:ea typeface="+mn-ea"/>
+                <a:cs typeface="+mn-cs"/>
+              </a:defRPr>
+            </a:lvl6pPr>
+            <a:lvl7pPr marL="3656960" algn="l" defTabSz="1218987" rtl="0" eaLnBrk="1" latinLnBrk="0" hangingPunct="1">
+              <a:defRPr sz="2400" kern="1200">
+                <a:solidFill>
+                  <a:schemeClr val="tx1"/>
+                </a:solidFill>
+                <a:latin typeface="+mn-lt"/>
+                <a:ea typeface="+mn-ea"/>
+                <a:cs typeface="+mn-cs"/>
+              </a:defRPr>
+            </a:lvl7pPr>
+            <a:lvl8pPr marL="4266453" algn="l" defTabSz="1218987" rtl="0" eaLnBrk="1" latinLnBrk="0" hangingPunct="1">
+              <a:defRPr sz="2400" kern="1200">
+                <a:solidFill>
+                  <a:schemeClr val="tx1"/>
+                </a:solidFill>
+                <a:latin typeface="+mn-lt"/>
+                <a:ea typeface="+mn-ea"/>
+                <a:cs typeface="+mn-cs"/>
+              </a:defRPr>
+            </a:lvl8pPr>
+            <a:lvl9pPr marL="4875947" algn="l" defTabSz="1218987" rtl="0" eaLnBrk="1" latinLnBrk="0" hangingPunct="1">
+              <a:defRPr sz="2400" kern="1200">
+                <a:solidFill>
+                  <a:schemeClr val="tx1"/>
+                </a:solidFill>
+                <a:latin typeface="+mn-lt"/>
+                <a:ea typeface="+mn-ea"/>
+                <a:cs typeface="+mn-cs"/>
+              </a:defRPr>
+            </a:lvl9pPr>
+          </a:lstStyle>
+          <a:p>
+            <a:r>
+              <a:rPr lang="en-US" sz="1800" b="1" dirty="0">
+                <a:hlinkClick r:id="rId8"/>
+              </a:rPr>
+              <a:t>https://github.com/BG-IT-Edu/School-Programming/tree/main/Courses/Applied-Programmer/Programming-Fundamentals</a:t>
+            </a:r>
+            <a:endParaRPr lang="en-GB" sz="1800" b="1" dirty="0"/>
+          </a:p>
+        </p:txBody>
+      </p:sp>
     </p:spTree>
     <p:extLst>
       <p:ext uri="{BB962C8B-B14F-4D97-AF65-F5344CB8AC3E}">
@@ -8410,28 +8545,18 @@
           <a:lstStyle/>
           <a:p>
             <a:r>
-              <a:rPr lang="bg-BG" dirty="0" smtClean="0"/>
+              <a:rPr lang="bg-BG" dirty="0"/>
               <a:t>Тествайте</a:t>
             </a:r>
             <a:r>
-              <a:rPr lang="en-US" dirty="0" smtClean="0"/>
-              <a:t> </a:t>
-            </a:r>
-            <a:r>
               <a:rPr lang="en-US" dirty="0"/>
-              <a:t>в Judge: </a:t>
+              <a:t> в Judge: </a:t>
             </a:r>
             <a:r>
               <a:rPr lang="en-US" dirty="0">
                 <a:hlinkClick r:id="rId2"/>
               </a:rPr>
-              <a:t>https://</a:t>
-            </a:r>
-            <a:r>
-              <a:rPr lang="en-US" dirty="0" smtClean="0">
-                <a:hlinkClick r:id="rId2"/>
-              </a:rPr>
-              <a:t>judge.softuni.bg/Contests/2636</a:t>
+              <a:t>https://judge.softuni.bg/Contests/2636</a:t>
             </a:r>
             <a:endParaRPr lang="en-US" dirty="0"/>
           </a:p>
@@ -9028,28 +9153,18 @@
           <a:lstStyle/>
           <a:p>
             <a:r>
-              <a:rPr lang="bg-BG" dirty="0" smtClean="0"/>
+              <a:rPr lang="bg-BG" dirty="0"/>
               <a:t>Тествайте</a:t>
             </a:r>
             <a:r>
-              <a:rPr lang="en-US" dirty="0" smtClean="0"/>
-              <a:t> </a:t>
-            </a:r>
-            <a:r>
               <a:rPr lang="en-US" dirty="0"/>
-              <a:t>в Judge: </a:t>
+              <a:t> в Judge: </a:t>
             </a:r>
             <a:r>
               <a:rPr lang="en-US" dirty="0">
                 <a:hlinkClick r:id="rId2"/>
               </a:rPr>
-              <a:t>https://</a:t>
-            </a:r>
-            <a:r>
-              <a:rPr lang="en-US" dirty="0" smtClean="0">
-                <a:hlinkClick r:id="rId2"/>
-              </a:rPr>
-              <a:t>judge.softuni.bg/Contests/2636</a:t>
+              <a:t>https://judge.softuni.bg/Contests/2636</a:t>
             </a:r>
             <a:endParaRPr lang="en-US" dirty="0"/>
           </a:p>
@@ -10853,37 +10968,136 @@
       </p:sp>
       <p:sp>
         <p:nvSpPr>
-          <p:cNvPr id="3" name="Text Placeholder 2"/>
-          <p:cNvSpPr>
-            <a:spLocks noGrp="1"/>
+          <p:cNvPr id="6" name="Text Placeholder 11">
+            <a:extLst>
+              <a:ext uri="{FF2B5EF4-FFF2-40B4-BE49-F238E27FC236}">
+                <a16:creationId xmlns:a16="http://schemas.microsoft.com/office/drawing/2014/main" id="{6371BC9C-703D-4DCB-A3A9-02B6FEA0D514}"/>
+              </a:ext>
+            </a:extLst>
+          </p:cNvPr>
+          <p:cNvSpPr txBox="1">
+            <a:spLocks/>
           </p:cNvSpPr>
-          <p:nvPr>
-            <p:ph type="body" sz="quarter" idx="10"/>
-          </p:nvPr>
+          <p:nvPr/>
         </p:nvSpPr>
-        <p:spPr>
+        <p:spPr bwMode="auto">
           <a:xfrm>
-            <a:off x="1529384" y="6400802"/>
-            <a:ext cx="10482604" cy="351754"/>
+            <a:off x="268333" y="6400800"/>
+            <a:ext cx="11885613" cy="349702"/>
           </a:xfrm>
+          <a:prstGeom prst="rect">
+            <a:avLst/>
+          </a:prstGeom>
+          <a:noFill/>
+          <a:effectLst/>
         </p:spPr>
         <p:txBody>
-          <a:bodyPr/>
-          <a:lstStyle/>
-          <a:p>
-            <a:r>
-              <a:rPr lang="en-US" dirty="0">
+          <a:bodyPr vert="horz" wrap="square" lIns="36000" tIns="36000" rIns="36000" bIns="36000" rtlCol="0" anchor="ctr" anchorCtr="0">
+            <a:spAutoFit/>
+          </a:bodyPr>
+          <a:lstStyle>
+            <a:defPPr>
+              <a:defRPr lang="en-US"/>
+            </a:defPPr>
+            <a:lvl1pPr marL="0" algn="l" defTabSz="1218987" rtl="0" eaLnBrk="1" latinLnBrk="0" hangingPunct="1">
+              <a:defRPr sz="2400" kern="1200">
+                <a:solidFill>
+                  <a:schemeClr val="tx1"/>
+                </a:solidFill>
+                <a:latin typeface="+mn-lt"/>
+                <a:ea typeface="+mn-ea"/>
+                <a:cs typeface="+mn-cs"/>
+              </a:defRPr>
+            </a:lvl1pPr>
+            <a:lvl2pPr marL="609493" algn="l" defTabSz="1218987" rtl="0" eaLnBrk="1" latinLnBrk="0" hangingPunct="1">
+              <a:defRPr sz="2400" kern="1200">
+                <a:solidFill>
+                  <a:schemeClr val="tx1"/>
+                </a:solidFill>
+                <a:latin typeface="+mn-lt"/>
+                <a:ea typeface="+mn-ea"/>
+                <a:cs typeface="+mn-cs"/>
+              </a:defRPr>
+            </a:lvl2pPr>
+            <a:lvl3pPr marL="1218987" algn="l" defTabSz="1218987" rtl="0" eaLnBrk="1" latinLnBrk="0" hangingPunct="1">
+              <a:defRPr sz="2400" kern="1200">
+                <a:solidFill>
+                  <a:schemeClr val="tx1"/>
+                </a:solidFill>
+                <a:latin typeface="+mn-lt"/>
+                <a:ea typeface="+mn-ea"/>
+                <a:cs typeface="+mn-cs"/>
+              </a:defRPr>
+            </a:lvl3pPr>
+            <a:lvl4pPr marL="1828480" algn="l" defTabSz="1218987" rtl="0" eaLnBrk="1" latinLnBrk="0" hangingPunct="1">
+              <a:defRPr sz="2400" kern="1200">
+                <a:solidFill>
+                  <a:schemeClr val="tx1"/>
+                </a:solidFill>
+                <a:latin typeface="+mn-lt"/>
+                <a:ea typeface="+mn-ea"/>
+                <a:cs typeface="+mn-cs"/>
+              </a:defRPr>
+            </a:lvl4pPr>
+            <a:lvl5pPr marL="2437973" algn="l" defTabSz="1218987" rtl="0" eaLnBrk="1" latinLnBrk="0" hangingPunct="1">
+              <a:defRPr sz="2400" kern="1200">
+                <a:solidFill>
+                  <a:schemeClr val="tx1"/>
+                </a:solidFill>
+                <a:latin typeface="+mn-lt"/>
+                <a:ea typeface="+mn-ea"/>
+                <a:cs typeface="+mn-cs"/>
+              </a:defRPr>
+            </a:lvl5pPr>
+            <a:lvl6pPr marL="3047467" algn="l" defTabSz="1218987" rtl="0" eaLnBrk="1" latinLnBrk="0" hangingPunct="1">
+              <a:defRPr sz="2400" kern="1200">
+                <a:solidFill>
+                  <a:schemeClr val="tx1"/>
+                </a:solidFill>
+                <a:latin typeface="+mn-lt"/>
+                <a:ea typeface="+mn-ea"/>
+                <a:cs typeface="+mn-cs"/>
+              </a:defRPr>
+            </a:lvl6pPr>
+            <a:lvl7pPr marL="3656960" algn="l" defTabSz="1218987" rtl="0" eaLnBrk="1" latinLnBrk="0" hangingPunct="1">
+              <a:defRPr sz="2400" kern="1200">
+                <a:solidFill>
+                  <a:schemeClr val="tx1"/>
+                </a:solidFill>
+                <a:latin typeface="+mn-lt"/>
+                <a:ea typeface="+mn-ea"/>
+                <a:cs typeface="+mn-cs"/>
+              </a:defRPr>
+            </a:lvl7pPr>
+            <a:lvl8pPr marL="4266453" algn="l" defTabSz="1218987" rtl="0" eaLnBrk="1" latinLnBrk="0" hangingPunct="1">
+              <a:defRPr sz="2400" kern="1200">
+                <a:solidFill>
+                  <a:schemeClr val="tx1"/>
+                </a:solidFill>
+                <a:latin typeface="+mn-lt"/>
+                <a:ea typeface="+mn-ea"/>
+                <a:cs typeface="+mn-cs"/>
+              </a:defRPr>
+            </a:lvl8pPr>
+            <a:lvl9pPr marL="4875947" algn="l" defTabSz="1218987" rtl="0" eaLnBrk="1" latinLnBrk="0" hangingPunct="1">
+              <a:defRPr sz="2400" kern="1200">
+                <a:solidFill>
+                  <a:schemeClr val="tx1"/>
+                </a:solidFill>
+                <a:latin typeface="+mn-lt"/>
+                <a:ea typeface="+mn-ea"/>
+                <a:cs typeface="+mn-cs"/>
+              </a:defRPr>
+            </a:lvl9pPr>
+          </a:lstStyle>
+          <a:p>
+            <a:r>
+              <a:rPr lang="en-US" sz="1800" b="1" dirty="0">
                 <a:hlinkClick r:id="rId3"/>
               </a:rPr>
-              <a:t>https://it-kariera.mon.bg/</a:t>
-            </a:r>
-            <a:r>
-              <a:rPr lang="en-US">
-                <a:hlinkClick r:id="rId3"/>
-              </a:rPr>
-              <a:t>e-learning/</a:t>
-            </a:r>
-            <a:endParaRPr lang="en-US" dirty="0"/>
+              <a:t>https://github.com/BG-IT-Edu/School-Programming/tree/main/Courses/Applied-Programmer/Programming-Fundamentals</a:t>
+            </a:r>
+            <a:endParaRPr lang="en-GB" sz="1800" b="1" dirty="0"/>
           </a:p>
         </p:txBody>
       </p:sp>
@@ -16878,28 +17092,18 @@
           <a:lstStyle/>
           <a:p>
             <a:r>
-              <a:rPr lang="bg-BG" dirty="0" smtClean="0"/>
+              <a:rPr lang="bg-BG" dirty="0"/>
               <a:t>Тествайте</a:t>
             </a:r>
             <a:r>
-              <a:rPr lang="en-US" dirty="0" smtClean="0"/>
-              <a:t> </a:t>
-            </a:r>
-            <a:r>
               <a:rPr lang="en-US" dirty="0"/>
-              <a:t>в Judge: </a:t>
+              <a:t> в Judge: </a:t>
             </a:r>
             <a:r>
               <a:rPr lang="en-US" dirty="0">
                 <a:hlinkClick r:id="rId2"/>
               </a:rPr>
-              <a:t>https://</a:t>
-            </a:r>
-            <a:r>
-              <a:rPr lang="en-US" dirty="0" smtClean="0">
-                <a:hlinkClick r:id="rId2"/>
-              </a:rPr>
-              <a:t>judge.softuni.bg/Contests/2636</a:t>
+              <a:t>https://judge.softuni.bg/Contests/2636</a:t>
             </a:r>
             <a:endParaRPr lang="en-US" dirty="0"/>
           </a:p>
@@ -17481,28 +17685,18 @@
           <a:lstStyle/>
           <a:p>
             <a:r>
-              <a:rPr lang="bg-BG" dirty="0" smtClean="0"/>
+              <a:rPr lang="bg-BG" dirty="0"/>
               <a:t>Тествайте</a:t>
             </a:r>
             <a:r>
-              <a:rPr lang="en-US" dirty="0" smtClean="0"/>
-              <a:t> </a:t>
-            </a:r>
-            <a:r>
               <a:rPr lang="en-US" dirty="0"/>
-              <a:t>в Judge: </a:t>
+              <a:t> в Judge: </a:t>
             </a:r>
             <a:r>
               <a:rPr lang="en-US" dirty="0">
                 <a:hlinkClick r:id="rId2"/>
               </a:rPr>
-              <a:t>https://</a:t>
-            </a:r>
-            <a:r>
-              <a:rPr lang="en-US" dirty="0" smtClean="0">
-                <a:hlinkClick r:id="rId2"/>
-              </a:rPr>
-              <a:t>judge.softuni.bg/Contests/2636</a:t>
+              <a:t>https://judge.softuni.bg/Contests/2636</a:t>
             </a:r>
             <a:endParaRPr lang="en-US" dirty="0"/>
           </a:p>

--- a/Courses/Applied-Programmer/Programming-Fundamentals/03-Масиви-и-списъци/10.Работа-с-масиви-въвеждане-извеждане.pptx
+++ b/Courses/Applied-Programmer/Programming-Fundamentals/03-Масиви-и-списъци/10.Работа-с-масиви-въвеждане-извеждане.pptx
@@ -349,7 +349,7 @@
             <a:fld id="{FE5B4EDC-59C0-49C7-8ADA-5A781B329E02}" type="datetimeFigureOut">
               <a:rPr lang="en-US"/>
               <a:pPr/>
-              <a:t>19-Nov-20</a:t>
+              <a:t>21-Nov-20</a:t>
             </a:fld>
             <a:endParaRPr dirty="0"/>
           </a:p>
@@ -647,7 +647,7 @@
             <a:fld id="{F2D8D46A-B586-417D-BFBD-8C8FE0AAF762}" type="datetimeFigureOut">
               <a:rPr lang="en-US" smtClean="0"/>
               <a:pPr/>
-              <a:t>19-Nov-20</a:t>
+              <a:t>21-Nov-20</a:t>
             </a:fld>
             <a:endParaRPr lang="en-US" dirty="0"/>
           </a:p>
@@ -5641,6 +5641,242 @@
   <p:clrMapOvr>
     <a:masterClrMapping/>
   </p:clrMapOvr>
+  <p:timing>
+    <p:tnLst>
+      <p:par>
+        <p:cTn id="1" dur="indefinite" restart="never" nodeType="tmRoot">
+          <p:childTnLst>
+            <p:seq concurrent="1" nextAc="seek">
+              <p:cTn id="2" dur="indefinite" nodeType="mainSeq">
+                <p:childTnLst>
+                  <p:par>
+                    <p:cTn id="3" fill="hold">
+                      <p:stCondLst>
+                        <p:cond delay="indefinite"/>
+                      </p:stCondLst>
+                      <p:childTnLst>
+                        <p:par>
+                          <p:cTn id="4" fill="hold">
+                            <p:stCondLst>
+                              <p:cond delay="0"/>
+                            </p:stCondLst>
+                            <p:childTnLst>
+                              <p:par>
+                                <p:cTn id="5" presetID="1" presetClass="entr" presetSubtype="0" fill="hold" grpId="0" nodeType="clickEffect">
+                                  <p:stCondLst>
+                                    <p:cond delay="0"/>
+                                  </p:stCondLst>
+                                  <p:childTnLst>
+                                    <p:set>
+                                      <p:cBhvr>
+                                        <p:cTn id="6" dur="1" fill="hold">
+                                          <p:stCondLst>
+                                            <p:cond delay="0"/>
+                                          </p:stCondLst>
+                                        </p:cTn>
+                                        <p:tgtEl>
+                                          <p:spTgt spid="13"/>
+                                        </p:tgtEl>
+                                        <p:attrNameLst>
+                                          <p:attrName>style.visibility</p:attrName>
+                                        </p:attrNameLst>
+                                      </p:cBhvr>
+                                      <p:to>
+                                        <p:strVal val="visible"/>
+                                      </p:to>
+                                    </p:set>
+                                  </p:childTnLst>
+                                </p:cTn>
+                              </p:par>
+                              <p:par>
+                                <p:cTn id="7" presetID="1" presetClass="entr" presetSubtype="0" fill="hold" grpId="0" nodeType="withEffect">
+                                  <p:stCondLst>
+                                    <p:cond delay="0"/>
+                                  </p:stCondLst>
+                                  <p:childTnLst>
+                                    <p:set>
+                                      <p:cBhvr>
+                                        <p:cTn id="8" dur="1" fill="hold">
+                                          <p:stCondLst>
+                                            <p:cond delay="0"/>
+                                          </p:stCondLst>
+                                        </p:cTn>
+                                        <p:tgtEl>
+                                          <p:spTgt spid="14"/>
+                                        </p:tgtEl>
+                                        <p:attrNameLst>
+                                          <p:attrName>style.visibility</p:attrName>
+                                        </p:attrNameLst>
+                                      </p:cBhvr>
+                                      <p:to>
+                                        <p:strVal val="visible"/>
+                                      </p:to>
+                                    </p:set>
+                                  </p:childTnLst>
+                                </p:cTn>
+                              </p:par>
+                              <p:par>
+                                <p:cTn id="9" presetID="1" presetClass="entr" presetSubtype="0" fill="hold" grpId="0" nodeType="withEffect">
+                                  <p:stCondLst>
+                                    <p:cond delay="0"/>
+                                  </p:stCondLst>
+                                  <p:childTnLst>
+                                    <p:set>
+                                      <p:cBhvr>
+                                        <p:cTn id="10" dur="1" fill="hold">
+                                          <p:stCondLst>
+                                            <p:cond delay="0"/>
+                                          </p:stCondLst>
+                                        </p:cTn>
+                                        <p:tgtEl>
+                                          <p:spTgt spid="22"/>
+                                        </p:tgtEl>
+                                        <p:attrNameLst>
+                                          <p:attrName>style.visibility</p:attrName>
+                                        </p:attrNameLst>
+                                      </p:cBhvr>
+                                      <p:to>
+                                        <p:strVal val="visible"/>
+                                      </p:to>
+                                    </p:set>
+                                  </p:childTnLst>
+                                </p:cTn>
+                              </p:par>
+                            </p:childTnLst>
+                          </p:cTn>
+                        </p:par>
+                      </p:childTnLst>
+                    </p:cTn>
+                  </p:par>
+                  <p:par>
+                    <p:cTn id="11" fill="hold">
+                      <p:stCondLst>
+                        <p:cond delay="indefinite"/>
+                      </p:stCondLst>
+                      <p:childTnLst>
+                        <p:par>
+                          <p:cTn id="12" fill="hold">
+                            <p:stCondLst>
+                              <p:cond delay="0"/>
+                            </p:stCondLst>
+                            <p:childTnLst>
+                              <p:par>
+                                <p:cTn id="13" presetID="1" presetClass="entr" presetSubtype="0" fill="hold" grpId="0" nodeType="clickEffect">
+                                  <p:stCondLst>
+                                    <p:cond delay="0"/>
+                                  </p:stCondLst>
+                                  <p:childTnLst>
+                                    <p:set>
+                                      <p:cBhvr>
+                                        <p:cTn id="14" dur="1" fill="hold">
+                                          <p:stCondLst>
+                                            <p:cond delay="0"/>
+                                          </p:stCondLst>
+                                        </p:cTn>
+                                        <p:tgtEl>
+                                          <p:spTgt spid="24"/>
+                                        </p:tgtEl>
+                                        <p:attrNameLst>
+                                          <p:attrName>style.visibility</p:attrName>
+                                        </p:attrNameLst>
+                                      </p:cBhvr>
+                                      <p:to>
+                                        <p:strVal val="visible"/>
+                                      </p:to>
+                                    </p:set>
+                                  </p:childTnLst>
+                                </p:cTn>
+                              </p:par>
+                              <p:par>
+                                <p:cTn id="15" presetID="1" presetClass="entr" presetSubtype="0" fill="hold" grpId="0" nodeType="withEffect">
+                                  <p:stCondLst>
+                                    <p:cond delay="0"/>
+                                  </p:stCondLst>
+                                  <p:childTnLst>
+                                    <p:set>
+                                      <p:cBhvr>
+                                        <p:cTn id="16" dur="1" fill="hold">
+                                          <p:stCondLst>
+                                            <p:cond delay="0"/>
+                                          </p:stCondLst>
+                                        </p:cTn>
+                                        <p:tgtEl>
+                                          <p:spTgt spid="25"/>
+                                        </p:tgtEl>
+                                        <p:attrNameLst>
+                                          <p:attrName>style.visibility</p:attrName>
+                                        </p:attrNameLst>
+                                      </p:cBhvr>
+                                      <p:to>
+                                        <p:strVal val="visible"/>
+                                      </p:to>
+                                    </p:set>
+                                  </p:childTnLst>
+                                </p:cTn>
+                              </p:par>
+                              <p:par>
+                                <p:cTn id="17" presetID="1" presetClass="entr" presetSubtype="0" fill="hold" grpId="0" nodeType="withEffect">
+                                  <p:stCondLst>
+                                    <p:cond delay="0"/>
+                                  </p:stCondLst>
+                                  <p:childTnLst>
+                                    <p:set>
+                                      <p:cBhvr>
+                                        <p:cTn id="18" dur="1" fill="hold">
+                                          <p:stCondLst>
+                                            <p:cond delay="0"/>
+                                          </p:stCondLst>
+                                        </p:cTn>
+                                        <p:tgtEl>
+                                          <p:spTgt spid="26"/>
+                                        </p:tgtEl>
+                                        <p:attrNameLst>
+                                          <p:attrName>style.visibility</p:attrName>
+                                        </p:attrNameLst>
+                                      </p:cBhvr>
+                                      <p:to>
+                                        <p:strVal val="visible"/>
+                                      </p:to>
+                                    </p:set>
+                                  </p:childTnLst>
+                                </p:cTn>
+                              </p:par>
+                            </p:childTnLst>
+                          </p:cTn>
+                        </p:par>
+                      </p:childTnLst>
+                    </p:cTn>
+                  </p:par>
+                </p:childTnLst>
+              </p:cTn>
+              <p:prevCondLst>
+                <p:cond evt="onPrev" delay="0">
+                  <p:tgtEl>
+                    <p:sldTgt/>
+                  </p:tgtEl>
+                </p:cond>
+              </p:prevCondLst>
+              <p:nextCondLst>
+                <p:cond evt="onNext" delay="0">
+                  <p:tgtEl>
+                    <p:sldTgt/>
+                  </p:tgtEl>
+                </p:cond>
+              </p:nextCondLst>
+            </p:seq>
+          </p:childTnLst>
+        </p:cTn>
+      </p:par>
+    </p:tnLst>
+    <p:bldLst>
+      <p:bldP spid="13" grpId="0" animBg="1"/>
+      <p:bldP spid="14" grpId="0" animBg="1"/>
+      <p:bldP spid="22" grpId="0" animBg="1"/>
+      <p:bldP spid="24" grpId="0" animBg="1"/>
+      <p:bldP spid="25" grpId="0" animBg="1"/>
+      <p:bldP spid="26" grpId="0" animBg="1"/>
+    </p:bldLst>
+  </p:timing>
 </p:sld>
 </file>
 
@@ -7517,7 +7753,7 @@
             </a:pPr>
             <a:r>
               <a:rPr lang="bg-BG" dirty="0"/>
-              <a:t>Обръщане на еленетите на масив</a:t>
+              <a:t>Обръщане на елементите на масив</a:t>
             </a:r>
             <a:r>
               <a:rPr lang="en-US" dirty="0"/>
@@ -8572,6 +8808,364 @@
   <p:clrMapOvr>
     <a:masterClrMapping/>
   </p:clrMapOvr>
+  <p:timing>
+    <p:tnLst>
+      <p:par>
+        <p:cTn id="1" dur="indefinite" restart="never" nodeType="tmRoot">
+          <p:childTnLst>
+            <p:seq concurrent="1" nextAc="seek">
+              <p:cTn id="2" dur="indefinite" nodeType="mainSeq">
+                <p:childTnLst>
+                  <p:par>
+                    <p:cTn id="3" fill="hold">
+                      <p:stCondLst>
+                        <p:cond delay="indefinite"/>
+                      </p:stCondLst>
+                      <p:childTnLst>
+                        <p:par>
+                          <p:cTn id="4" fill="hold">
+                            <p:stCondLst>
+                              <p:cond delay="0"/>
+                            </p:stCondLst>
+                            <p:childTnLst>
+                              <p:par>
+                                <p:cTn id="5" presetID="1" presetClass="entr" presetSubtype="0" fill="hold" grpId="0" nodeType="clickEffect">
+                                  <p:stCondLst>
+                                    <p:cond delay="0"/>
+                                  </p:stCondLst>
+                                  <p:childTnLst>
+                                    <p:set>
+                                      <p:cBhvr>
+                                        <p:cTn id="6" dur="1" fill="hold">
+                                          <p:stCondLst>
+                                            <p:cond delay="0"/>
+                                          </p:stCondLst>
+                                        </p:cTn>
+                                        <p:tgtEl>
+                                          <p:spTgt spid="6"/>
+                                        </p:tgtEl>
+                                        <p:attrNameLst>
+                                          <p:attrName>style.visibility</p:attrName>
+                                        </p:attrNameLst>
+                                      </p:cBhvr>
+                                      <p:to>
+                                        <p:strVal val="visible"/>
+                                      </p:to>
+                                    </p:set>
+                                  </p:childTnLst>
+                                </p:cTn>
+                              </p:par>
+                              <p:par>
+                                <p:cTn id="7" presetID="1" presetClass="entr" presetSubtype="0" fill="hold" grpId="0" nodeType="withEffect">
+                                  <p:stCondLst>
+                                    <p:cond delay="0"/>
+                                  </p:stCondLst>
+                                  <p:childTnLst>
+                                    <p:set>
+                                      <p:cBhvr>
+                                        <p:cTn id="8" dur="1" fill="hold">
+                                          <p:stCondLst>
+                                            <p:cond delay="0"/>
+                                          </p:stCondLst>
+                                        </p:cTn>
+                                        <p:tgtEl>
+                                          <p:spTgt spid="8"/>
+                                        </p:tgtEl>
+                                        <p:attrNameLst>
+                                          <p:attrName>style.visibility</p:attrName>
+                                        </p:attrNameLst>
+                                      </p:cBhvr>
+                                      <p:to>
+                                        <p:strVal val="visible"/>
+                                      </p:to>
+                                    </p:set>
+                                  </p:childTnLst>
+                                </p:cTn>
+                              </p:par>
+                              <p:par>
+                                <p:cTn id="9" presetID="1" presetClass="entr" presetSubtype="0" fill="hold" grpId="0" nodeType="withEffect">
+                                  <p:stCondLst>
+                                    <p:cond delay="0"/>
+                                  </p:stCondLst>
+                                  <p:childTnLst>
+                                    <p:set>
+                                      <p:cBhvr>
+                                        <p:cTn id="10" dur="1" fill="hold">
+                                          <p:stCondLst>
+                                            <p:cond delay="0"/>
+                                          </p:stCondLst>
+                                        </p:cTn>
+                                        <p:tgtEl>
+                                          <p:spTgt spid="7"/>
+                                        </p:tgtEl>
+                                        <p:attrNameLst>
+                                          <p:attrName>style.visibility</p:attrName>
+                                        </p:attrNameLst>
+                                      </p:cBhvr>
+                                      <p:to>
+                                        <p:strVal val="visible"/>
+                                      </p:to>
+                                    </p:set>
+                                  </p:childTnLst>
+                                </p:cTn>
+                              </p:par>
+                              <p:par>
+                                <p:cTn id="11" presetID="1" presetClass="entr" presetSubtype="0" fill="hold" grpId="0" nodeType="withEffect">
+                                  <p:stCondLst>
+                                    <p:cond delay="0"/>
+                                  </p:stCondLst>
+                                  <p:childTnLst>
+                                    <p:set>
+                                      <p:cBhvr>
+                                        <p:cTn id="12" dur="1" fill="hold">
+                                          <p:stCondLst>
+                                            <p:cond delay="0"/>
+                                          </p:stCondLst>
+                                        </p:cTn>
+                                        <p:tgtEl>
+                                          <p:spTgt spid="9"/>
+                                        </p:tgtEl>
+                                        <p:attrNameLst>
+                                          <p:attrName>style.visibility</p:attrName>
+                                        </p:attrNameLst>
+                                      </p:cBhvr>
+                                      <p:to>
+                                        <p:strVal val="visible"/>
+                                      </p:to>
+                                    </p:set>
+                                  </p:childTnLst>
+                                </p:cTn>
+                              </p:par>
+                              <p:par>
+                                <p:cTn id="13" presetID="1" presetClass="entr" presetSubtype="0" fill="hold" grpId="0" nodeType="withEffect">
+                                  <p:stCondLst>
+                                    <p:cond delay="0"/>
+                                  </p:stCondLst>
+                                  <p:childTnLst>
+                                    <p:set>
+                                      <p:cBhvr>
+                                        <p:cTn id="14" dur="1" fill="hold">
+                                          <p:stCondLst>
+                                            <p:cond delay="0"/>
+                                          </p:stCondLst>
+                                        </p:cTn>
+                                        <p:tgtEl>
+                                          <p:spTgt spid="11"/>
+                                        </p:tgtEl>
+                                        <p:attrNameLst>
+                                          <p:attrName>style.visibility</p:attrName>
+                                        </p:attrNameLst>
+                                      </p:cBhvr>
+                                      <p:to>
+                                        <p:strVal val="visible"/>
+                                      </p:to>
+                                    </p:set>
+                                  </p:childTnLst>
+                                </p:cTn>
+                              </p:par>
+                              <p:par>
+                                <p:cTn id="15" presetID="1" presetClass="entr" presetSubtype="0" fill="hold" grpId="0" nodeType="withEffect">
+                                  <p:stCondLst>
+                                    <p:cond delay="0"/>
+                                  </p:stCondLst>
+                                  <p:childTnLst>
+                                    <p:set>
+                                      <p:cBhvr>
+                                        <p:cTn id="16" dur="1" fill="hold">
+                                          <p:stCondLst>
+                                            <p:cond delay="0"/>
+                                          </p:stCondLst>
+                                        </p:cTn>
+                                        <p:tgtEl>
+                                          <p:spTgt spid="10"/>
+                                        </p:tgtEl>
+                                        <p:attrNameLst>
+                                          <p:attrName>style.visibility</p:attrName>
+                                        </p:attrNameLst>
+                                      </p:cBhvr>
+                                      <p:to>
+                                        <p:strVal val="visible"/>
+                                      </p:to>
+                                    </p:set>
+                                  </p:childTnLst>
+                                </p:cTn>
+                              </p:par>
+                            </p:childTnLst>
+                          </p:cTn>
+                        </p:par>
+                      </p:childTnLst>
+                    </p:cTn>
+                  </p:par>
+                  <p:par>
+                    <p:cTn id="17" fill="hold">
+                      <p:stCondLst>
+                        <p:cond delay="indefinite"/>
+                      </p:stCondLst>
+                      <p:childTnLst>
+                        <p:par>
+                          <p:cTn id="18" fill="hold">
+                            <p:stCondLst>
+                              <p:cond delay="0"/>
+                            </p:stCondLst>
+                            <p:childTnLst>
+                              <p:par>
+                                <p:cTn id="19" presetID="1" presetClass="entr" presetSubtype="0" fill="hold" nodeType="clickEffect">
+                                  <p:stCondLst>
+                                    <p:cond delay="0"/>
+                                  </p:stCondLst>
+                                  <p:childTnLst>
+                                    <p:set>
+                                      <p:cBhvr>
+                                        <p:cTn id="20" dur="1" fill="hold">
+                                          <p:stCondLst>
+                                            <p:cond delay="0"/>
+                                          </p:stCondLst>
+                                        </p:cTn>
+                                        <p:tgtEl>
+                                          <p:spTgt spid="3">
+                                            <p:txEl>
+                                              <p:pRg st="2" end="2"/>
+                                            </p:txEl>
+                                          </p:spTgt>
+                                        </p:tgtEl>
+                                        <p:attrNameLst>
+                                          <p:attrName>style.visibility</p:attrName>
+                                        </p:attrNameLst>
+                                      </p:cBhvr>
+                                      <p:to>
+                                        <p:strVal val="visible"/>
+                                      </p:to>
+                                    </p:set>
+                                  </p:childTnLst>
+                                </p:cTn>
+                              </p:par>
+                            </p:childTnLst>
+                          </p:cTn>
+                        </p:par>
+                      </p:childTnLst>
+                    </p:cTn>
+                  </p:par>
+                  <p:par>
+                    <p:cTn id="21" fill="hold">
+                      <p:stCondLst>
+                        <p:cond delay="indefinite"/>
+                      </p:stCondLst>
+                      <p:childTnLst>
+                        <p:par>
+                          <p:cTn id="22" fill="hold">
+                            <p:stCondLst>
+                              <p:cond delay="0"/>
+                            </p:stCondLst>
+                            <p:childTnLst>
+                              <p:par>
+                                <p:cTn id="23" presetID="1" presetClass="entr" presetSubtype="0" fill="hold" nodeType="clickEffect">
+                                  <p:stCondLst>
+                                    <p:cond delay="0"/>
+                                  </p:stCondLst>
+                                  <p:childTnLst>
+                                    <p:set>
+                                      <p:cBhvr>
+                                        <p:cTn id="24" dur="1" fill="hold">
+                                          <p:stCondLst>
+                                            <p:cond delay="0"/>
+                                          </p:stCondLst>
+                                        </p:cTn>
+                                        <p:tgtEl>
+                                          <p:spTgt spid="32"/>
+                                        </p:tgtEl>
+                                        <p:attrNameLst>
+                                          <p:attrName>style.visibility</p:attrName>
+                                        </p:attrNameLst>
+                                      </p:cBhvr>
+                                      <p:to>
+                                        <p:strVal val="visible"/>
+                                      </p:to>
+                                    </p:set>
+                                  </p:childTnLst>
+                                </p:cTn>
+                              </p:par>
+                            </p:childTnLst>
+                          </p:cTn>
+                        </p:par>
+                      </p:childTnLst>
+                    </p:cTn>
+                  </p:par>
+                  <p:par>
+                    <p:cTn id="25" fill="hold">
+                      <p:stCondLst>
+                        <p:cond delay="indefinite"/>
+                      </p:stCondLst>
+                      <p:childTnLst>
+                        <p:par>
+                          <p:cTn id="26" fill="hold">
+                            <p:stCondLst>
+                              <p:cond delay="0"/>
+                            </p:stCondLst>
+                            <p:childTnLst>
+                              <p:par>
+                                <p:cTn id="27" presetID="1" presetClass="entr" presetSubtype="0" fill="hold" grpId="0" nodeType="clickEffect">
+                                  <p:stCondLst>
+                                    <p:cond delay="0"/>
+                                  </p:stCondLst>
+                                  <p:childTnLst>
+                                    <p:set>
+                                      <p:cBhvr>
+                                        <p:cTn id="28" dur="1" fill="hold">
+                                          <p:stCondLst>
+                                            <p:cond delay="0"/>
+                                          </p:stCondLst>
+                                        </p:cTn>
+                                        <p:tgtEl>
+                                          <p:spTgt spid="21"/>
+                                        </p:tgtEl>
+                                        <p:attrNameLst>
+                                          <p:attrName>style.visibility</p:attrName>
+                                        </p:attrNameLst>
+                                      </p:cBhvr>
+                                      <p:to>
+                                        <p:strVal val="visible"/>
+                                      </p:to>
+                                    </p:set>
+                                  </p:childTnLst>
+                                </p:cTn>
+                              </p:par>
+                            </p:childTnLst>
+                          </p:cTn>
+                        </p:par>
+                      </p:childTnLst>
+                    </p:cTn>
+                  </p:par>
+                </p:childTnLst>
+              </p:cTn>
+              <p:prevCondLst>
+                <p:cond evt="onPrev" delay="0">
+                  <p:tgtEl>
+                    <p:sldTgt/>
+                  </p:tgtEl>
+                </p:cond>
+              </p:prevCondLst>
+              <p:nextCondLst>
+                <p:cond evt="onNext" delay="0">
+                  <p:tgtEl>
+                    <p:sldTgt/>
+                  </p:tgtEl>
+                </p:cond>
+              </p:nextCondLst>
+            </p:seq>
+          </p:childTnLst>
+        </p:cTn>
+      </p:par>
+    </p:tnLst>
+    <p:bldLst>
+      <p:bldP spid="6" grpId="0" animBg="1"/>
+      <p:bldP spid="7" grpId="0" animBg="1"/>
+      <p:bldP spid="8" grpId="0" animBg="1"/>
+      <p:bldP spid="9" grpId="0" animBg="1"/>
+      <p:bldP spid="10" grpId="0" animBg="1"/>
+      <p:bldP spid="11" grpId="0" animBg="1"/>
+      <p:bldP spid="21" grpId="0"/>
+    </p:bldLst>
+  </p:timing>
 </p:sld>
 </file>
 
@@ -9575,6 +10169,51 @@
                       </p:childTnLst>
                     </p:cTn>
                   </p:par>
+                  <p:par>
+                    <p:cTn id="33" fill="hold">
+                      <p:stCondLst>
+                        <p:cond delay="indefinite"/>
+                      </p:stCondLst>
+                      <p:childTnLst>
+                        <p:par>
+                          <p:cTn id="34" fill="hold">
+                            <p:stCondLst>
+                              <p:cond delay="0"/>
+                            </p:stCondLst>
+                            <p:childTnLst>
+                              <p:par>
+                                <p:cTn id="35" presetID="1" presetClass="entr" presetSubtype="0" fill="hold" grpId="0" nodeType="clickEffect">
+                                  <p:stCondLst>
+                                    <p:cond delay="0"/>
+                                  </p:stCondLst>
+                                  <p:childTnLst>
+                                    <p:set>
+                                      <p:cBhvr>
+                                        <p:cTn id="36" dur="1" fill="hold">
+                                          <p:stCondLst>
+                                            <p:cond delay="0"/>
+                                          </p:stCondLst>
+                                        </p:cTn>
+                                        <p:tgtEl>
+                                          <p:spTgt spid="5"/>
+                                        </p:tgtEl>
+                                        <p:attrNameLst>
+                                          <p:attrName>style.visibility</p:attrName>
+                                        </p:attrNameLst>
+                                      </p:cBhvr>
+                                      <p:to>
+                                        <p:strVal val="visible"/>
+                                      </p:to>
+                                    </p:set>
+                                  </p:childTnLst>
+                                </p:cTn>
+                              </p:par>
+                            </p:childTnLst>
+                          </p:cTn>
+                        </p:par>
+                      </p:childTnLst>
+                    </p:cTn>
+                  </p:par>
                 </p:childTnLst>
               </p:cTn>
               <p:prevCondLst>
@@ -9596,6 +10235,9 @@
         </p:cTn>
       </p:par>
     </p:tnLst>
+    <p:bldLst>
+      <p:bldP spid="5" grpId="0"/>
+    </p:bldLst>
   </p:timing>
 </p:sld>
 </file>
@@ -10798,9 +11440,6 @@
                     <p:cTn id="3" fill="hold">
                       <p:stCondLst>
                         <p:cond delay="indefinite"/>
-                        <p:cond evt="onBegin" delay="0">
-                          <p:tn val="2"/>
-                        </p:cond>
                       </p:stCondLst>
                       <p:childTnLst>
                         <p:par>
@@ -10810,7 +11449,7 @@
                             </p:stCondLst>
                             <p:childTnLst>
                               <p:par>
-                                <p:cTn id="5" presetID="1" presetClass="entr" presetSubtype="0" fill="hold" grpId="0" nodeType="withEffect">
+                                <p:cTn id="5" presetID="1" presetClass="entr" presetSubtype="0" fill="hold" nodeType="clickEffect">
                                   <p:stCondLst>
                                     <p:cond delay="0"/>
                                   </p:stCondLst>
@@ -10818,6 +11457,86 @@
                                     <p:set>
                                       <p:cBhvr>
                                         <p:cTn id="6" dur="1" fill="hold">
+                                          <p:stCondLst>
+                                            <p:cond delay="0"/>
+                                          </p:stCondLst>
+                                        </p:cTn>
+                                        <p:tgtEl>
+                                          <p:spTgt spid="5">
+                                            <p:txEl>
+                                              <p:pRg st="1" end="1"/>
+                                            </p:txEl>
+                                          </p:spTgt>
+                                        </p:tgtEl>
+                                        <p:attrNameLst>
+                                          <p:attrName>style.visibility</p:attrName>
+                                        </p:attrNameLst>
+                                      </p:cBhvr>
+                                      <p:to>
+                                        <p:strVal val="visible"/>
+                                      </p:to>
+                                    </p:set>
+                                  </p:childTnLst>
+                                </p:cTn>
+                              </p:par>
+                            </p:childTnLst>
+                          </p:cTn>
+                        </p:par>
+                      </p:childTnLst>
+                    </p:cTn>
+                  </p:par>
+                  <p:par>
+                    <p:cTn id="7" fill="hold">
+                      <p:stCondLst>
+                        <p:cond delay="indefinite"/>
+                      </p:stCondLst>
+                      <p:childTnLst>
+                        <p:par>
+                          <p:cTn id="8" fill="hold">
+                            <p:stCondLst>
+                              <p:cond delay="0"/>
+                            </p:stCondLst>
+                            <p:childTnLst>
+                              <p:par>
+                                <p:cTn id="9" presetID="1" presetClass="entr" presetSubtype="0" fill="hold" nodeType="clickEffect">
+                                  <p:stCondLst>
+                                    <p:cond delay="0"/>
+                                  </p:stCondLst>
+                                  <p:childTnLst>
+                                    <p:set>
+                                      <p:cBhvr>
+                                        <p:cTn id="10" dur="1" fill="hold">
+                                          <p:stCondLst>
+                                            <p:cond delay="0"/>
+                                          </p:stCondLst>
+                                        </p:cTn>
+                                        <p:tgtEl>
+                                          <p:spTgt spid="5">
+                                            <p:txEl>
+                                              <p:pRg st="2" end="2"/>
+                                            </p:txEl>
+                                          </p:spTgt>
+                                        </p:tgtEl>
+                                        <p:attrNameLst>
+                                          <p:attrName>style.visibility</p:attrName>
+                                        </p:attrNameLst>
+                                      </p:cBhvr>
+                                      <p:to>
+                                        <p:strVal val="visible"/>
+                                      </p:to>
+                                    </p:set>
+                                  </p:childTnLst>
+                                </p:cTn>
+                              </p:par>
+                              <p:par>
+                                <p:cTn id="11" presetID="1" presetClass="entr" presetSubtype="0" fill="hold" grpId="0" nodeType="withEffect">
+                                  <p:stCondLst>
+                                    <p:cond delay="0"/>
+                                  </p:stCondLst>
+                                  <p:childTnLst>
+                                    <p:set>
+                                      <p:cBhvr>
+                                        <p:cTn id="12" dur="1" fill="hold">
                                           <p:stCondLst>
                                             <p:cond delay="0"/>
                                           </p:stCondLst>
@@ -10836,15 +11555,64 @@
                                   </p:childTnLst>
                                 </p:cTn>
                               </p:par>
+                            </p:childTnLst>
+                          </p:cTn>
+                        </p:par>
+                      </p:childTnLst>
+                    </p:cTn>
+                  </p:par>
+                  <p:par>
+                    <p:cTn id="13" fill="hold">
+                      <p:stCondLst>
+                        <p:cond delay="indefinite"/>
+                      </p:stCondLst>
+                      <p:childTnLst>
+                        <p:par>
+                          <p:cTn id="14" fill="hold">
+                            <p:stCondLst>
+                              <p:cond delay="0"/>
+                            </p:stCondLst>
+                            <p:childTnLst>
                               <p:par>
-                                <p:cTn id="7" presetID="1" presetClass="entr" presetSubtype="0" fill="hold" grpId="0" nodeType="withEffect">
+                                <p:cTn id="15" presetID="1" presetClass="entr" presetSubtype="0" fill="hold" nodeType="clickEffect">
                                   <p:stCondLst>
                                     <p:cond delay="0"/>
                                   </p:stCondLst>
                                   <p:childTnLst>
                                     <p:set>
                                       <p:cBhvr>
-                                        <p:cTn id="8" dur="1" fill="hold">
+                                        <p:cTn id="16" dur="1" fill="hold">
+                                          <p:stCondLst>
+                                            <p:cond delay="0"/>
+                                          </p:stCondLst>
+                                        </p:cTn>
+                                        <p:tgtEl>
+                                          <p:spTgt spid="5">
+                                            <p:txEl>
+                                              <p:pRg st="4" end="4"/>
+                                            </p:txEl>
+                                          </p:spTgt>
+                                        </p:tgtEl>
+                                        <p:attrNameLst>
+                                          <p:attrName>style.visibility</p:attrName>
+                                        </p:attrNameLst>
+                                      </p:cBhvr>
+                                      <p:to>
+                                        <p:strVal val="visible"/>
+                                      </p:to>
+                                    </p:set>
+                                  </p:childTnLst>
+                                </p:cTn>
+                              </p:par>
+                              <p:par>
+                                <p:cTn id="17" presetID="1" presetClass="entr" presetSubtype="0" fill="hold" grpId="0" nodeType="withEffect">
+                                  <p:stCondLst>
+                                    <p:cond delay="0"/>
+                                  </p:stCondLst>
+                                  <p:childTnLst>
+                                    <p:set>
+                                      <p:cBhvr>
+                                        <p:cTn id="18" dur="1" fill="hold">
                                           <p:stCondLst>
                                             <p:cond delay="0"/>
                                           </p:stCondLst>
@@ -10863,15 +11631,64 @@
                                   </p:childTnLst>
                                 </p:cTn>
                               </p:par>
+                            </p:childTnLst>
+                          </p:cTn>
+                        </p:par>
+                      </p:childTnLst>
+                    </p:cTn>
+                  </p:par>
+                  <p:par>
+                    <p:cTn id="19" fill="hold">
+                      <p:stCondLst>
+                        <p:cond delay="indefinite"/>
+                      </p:stCondLst>
+                      <p:childTnLst>
+                        <p:par>
+                          <p:cTn id="20" fill="hold">
+                            <p:stCondLst>
+                              <p:cond delay="0"/>
+                            </p:stCondLst>
+                            <p:childTnLst>
                               <p:par>
-                                <p:cTn id="9" presetID="1" presetClass="entr" presetSubtype="0" fill="hold" grpId="0" nodeType="withEffect">
+                                <p:cTn id="21" presetID="1" presetClass="entr" presetSubtype="0" fill="hold" nodeType="clickEffect">
                                   <p:stCondLst>
                                     <p:cond delay="0"/>
                                   </p:stCondLst>
                                   <p:childTnLst>
                                     <p:set>
                                       <p:cBhvr>
-                                        <p:cTn id="10" dur="1" fill="hold">
+                                        <p:cTn id="22" dur="1" fill="hold">
+                                          <p:stCondLst>
+                                            <p:cond delay="0"/>
+                                          </p:stCondLst>
+                                        </p:cTn>
+                                        <p:tgtEl>
+                                          <p:spTgt spid="5">
+                                            <p:txEl>
+                                              <p:pRg st="6" end="6"/>
+                                            </p:txEl>
+                                          </p:spTgt>
+                                        </p:tgtEl>
+                                        <p:attrNameLst>
+                                          <p:attrName>style.visibility</p:attrName>
+                                        </p:attrNameLst>
+                                      </p:cBhvr>
+                                      <p:to>
+                                        <p:strVal val="visible"/>
+                                      </p:to>
+                                    </p:set>
+                                  </p:childTnLst>
+                                </p:cTn>
+                              </p:par>
+                              <p:par>
+                                <p:cTn id="23" presetID="1" presetClass="entr" presetSubtype="0" fill="hold" grpId="0" nodeType="withEffect">
+                                  <p:stCondLst>
+                                    <p:cond delay="0"/>
+                                  </p:stCondLst>
+                                  <p:childTnLst>
+                                    <p:set>
+                                      <p:cBhvr>
+                                        <p:cTn id="24" dur="1" fill="hold">
                                           <p:stCondLst>
                                             <p:cond delay="0"/>
                                           </p:stCondLst>
@@ -11832,6 +12649,183 @@
   <p:clrMapOvr>
     <a:masterClrMapping/>
   </p:clrMapOvr>
+  <p:timing>
+    <p:tnLst>
+      <p:par>
+        <p:cTn id="1" dur="indefinite" restart="never" nodeType="tmRoot">
+          <p:childTnLst>
+            <p:seq concurrent="1" nextAc="seek">
+              <p:cTn id="2" dur="indefinite" nodeType="mainSeq">
+                <p:childTnLst>
+                  <p:par>
+                    <p:cTn id="3" fill="hold">
+                      <p:stCondLst>
+                        <p:cond delay="indefinite"/>
+                      </p:stCondLst>
+                      <p:childTnLst>
+                        <p:par>
+                          <p:cTn id="4" fill="hold">
+                            <p:stCondLst>
+                              <p:cond delay="0"/>
+                            </p:stCondLst>
+                            <p:childTnLst>
+                              <p:par>
+                                <p:cTn id="5" presetID="1" presetClass="entr" presetSubtype="0" fill="hold" nodeType="clickEffect">
+                                  <p:stCondLst>
+                                    <p:cond delay="0"/>
+                                  </p:stCondLst>
+                                  <p:childTnLst>
+                                    <p:set>
+                                      <p:cBhvr>
+                                        <p:cTn id="6" dur="1" fill="hold">
+                                          <p:stCondLst>
+                                            <p:cond delay="0"/>
+                                          </p:stCondLst>
+                                        </p:cTn>
+                                        <p:tgtEl>
+                                          <p:spTgt spid="7">
+                                            <p:txEl>
+                                              <p:pRg st="1" end="1"/>
+                                            </p:txEl>
+                                          </p:spTgt>
+                                        </p:tgtEl>
+                                        <p:attrNameLst>
+                                          <p:attrName>style.visibility</p:attrName>
+                                        </p:attrNameLst>
+                                      </p:cBhvr>
+                                      <p:to>
+                                        <p:strVal val="visible"/>
+                                      </p:to>
+                                    </p:set>
+                                  </p:childTnLst>
+                                </p:cTn>
+                              </p:par>
+                            </p:childTnLst>
+                          </p:cTn>
+                        </p:par>
+                      </p:childTnLst>
+                    </p:cTn>
+                  </p:par>
+                  <p:par>
+                    <p:cTn id="7" fill="hold">
+                      <p:stCondLst>
+                        <p:cond delay="indefinite"/>
+                      </p:stCondLst>
+                      <p:childTnLst>
+                        <p:par>
+                          <p:cTn id="8" fill="hold">
+                            <p:stCondLst>
+                              <p:cond delay="0"/>
+                            </p:stCondLst>
+                            <p:childTnLst>
+                              <p:par>
+                                <p:cTn id="9" presetID="1" presetClass="entr" presetSubtype="0" fill="hold" nodeType="clickEffect">
+                                  <p:stCondLst>
+                                    <p:cond delay="0"/>
+                                  </p:stCondLst>
+                                  <p:childTnLst>
+                                    <p:set>
+                                      <p:cBhvr>
+                                        <p:cTn id="10" dur="1" fill="hold">
+                                          <p:stCondLst>
+                                            <p:cond delay="0"/>
+                                          </p:stCondLst>
+                                        </p:cTn>
+                                        <p:tgtEl>
+                                          <p:spTgt spid="7">
+                                            <p:txEl>
+                                              <p:pRg st="2" end="2"/>
+                                            </p:txEl>
+                                          </p:spTgt>
+                                        </p:tgtEl>
+                                        <p:attrNameLst>
+                                          <p:attrName>style.visibility</p:attrName>
+                                        </p:attrNameLst>
+                                      </p:cBhvr>
+                                      <p:to>
+                                        <p:strVal val="visible"/>
+                                      </p:to>
+                                    </p:set>
+                                  </p:childTnLst>
+                                </p:cTn>
+                              </p:par>
+                            </p:childTnLst>
+                          </p:cTn>
+                        </p:par>
+                      </p:childTnLst>
+                    </p:cTn>
+                  </p:par>
+                  <p:par>
+                    <p:cTn id="11" fill="hold">
+                      <p:stCondLst>
+                        <p:cond delay="indefinite"/>
+                      </p:stCondLst>
+                      <p:childTnLst>
+                        <p:par>
+                          <p:cTn id="12" fill="hold">
+                            <p:stCondLst>
+                              <p:cond delay="0"/>
+                            </p:stCondLst>
+                            <p:childTnLst>
+                              <p:par>
+                                <p:cTn id="13" presetID="1" presetClass="entr" presetSubtype="0" fill="hold" nodeType="clickEffect">
+                                  <p:stCondLst>
+                                    <p:cond delay="0"/>
+                                  </p:stCondLst>
+                                  <p:childTnLst>
+                                    <p:set>
+                                      <p:cBhvr>
+                                        <p:cTn id="14" dur="1" fill="hold">
+                                          <p:stCondLst>
+                                            <p:cond delay="0"/>
+                                          </p:stCondLst>
+                                        </p:cTn>
+                                        <p:tgtEl>
+                                          <p:spTgt spid="7">
+                                            <p:txEl>
+                                              <p:pRg st="3" end="3"/>
+                                            </p:txEl>
+                                          </p:spTgt>
+                                        </p:tgtEl>
+                                        <p:attrNameLst>
+                                          <p:attrName>style.visibility</p:attrName>
+                                        </p:attrNameLst>
+                                      </p:cBhvr>
+                                      <p:to>
+                                        <p:strVal val="visible"/>
+                                      </p:to>
+                                    </p:set>
+                                  </p:childTnLst>
+                                </p:cTn>
+                              </p:par>
+                            </p:childTnLst>
+                          </p:cTn>
+                        </p:par>
+                      </p:childTnLst>
+                    </p:cTn>
+                  </p:par>
+                </p:childTnLst>
+              </p:cTn>
+              <p:prevCondLst>
+                <p:cond evt="onPrev" delay="0">
+                  <p:tgtEl>
+                    <p:sldTgt/>
+                  </p:tgtEl>
+                </p:cond>
+              </p:prevCondLst>
+              <p:nextCondLst>
+                <p:cond evt="onNext" delay="0">
+                  <p:tgtEl>
+                    <p:sldTgt/>
+                  </p:tgtEl>
+                </p:cond>
+              </p:nextCondLst>
+            </p:seq>
+          </p:childTnLst>
+        </p:cTn>
+      </p:par>
+    </p:tnLst>
+  </p:timing>
 </p:sld>
 </file>
 
@@ -17119,6 +18113,288 @@
   <p:clrMapOvr>
     <a:masterClrMapping/>
   </p:clrMapOvr>
+  <p:timing>
+    <p:tnLst>
+      <p:par>
+        <p:cTn id="1" dur="indefinite" restart="never" nodeType="tmRoot">
+          <p:childTnLst>
+            <p:seq concurrent="1" nextAc="seek">
+              <p:cTn id="2" dur="indefinite" nodeType="mainSeq">
+                <p:childTnLst>
+                  <p:par>
+                    <p:cTn id="3" fill="hold">
+                      <p:stCondLst>
+                        <p:cond delay="indefinite"/>
+                      </p:stCondLst>
+                      <p:childTnLst>
+                        <p:par>
+                          <p:cTn id="4" fill="hold">
+                            <p:stCondLst>
+                              <p:cond delay="0"/>
+                            </p:stCondLst>
+                            <p:childTnLst>
+                              <p:par>
+                                <p:cTn id="5" presetID="1" presetClass="entr" presetSubtype="0" fill="hold" grpId="0" nodeType="clickEffect">
+                                  <p:stCondLst>
+                                    <p:cond delay="0"/>
+                                  </p:stCondLst>
+                                  <p:childTnLst>
+                                    <p:set>
+                                      <p:cBhvr>
+                                        <p:cTn id="6" dur="1" fill="hold">
+                                          <p:stCondLst>
+                                            <p:cond delay="0"/>
+                                          </p:stCondLst>
+                                        </p:cTn>
+                                        <p:tgtEl>
+                                          <p:spTgt spid="6"/>
+                                        </p:tgtEl>
+                                        <p:attrNameLst>
+                                          <p:attrName>style.visibility</p:attrName>
+                                        </p:attrNameLst>
+                                      </p:cBhvr>
+                                      <p:to>
+                                        <p:strVal val="visible"/>
+                                      </p:to>
+                                    </p:set>
+                                  </p:childTnLst>
+                                </p:cTn>
+                              </p:par>
+                              <p:par>
+                                <p:cTn id="7" presetID="1" presetClass="entr" presetSubtype="0" fill="hold" grpId="0" nodeType="withEffect">
+                                  <p:stCondLst>
+                                    <p:cond delay="0"/>
+                                  </p:stCondLst>
+                                  <p:childTnLst>
+                                    <p:set>
+                                      <p:cBhvr>
+                                        <p:cTn id="8" dur="1" fill="hold">
+                                          <p:stCondLst>
+                                            <p:cond delay="0"/>
+                                          </p:stCondLst>
+                                        </p:cTn>
+                                        <p:tgtEl>
+                                          <p:spTgt spid="8"/>
+                                        </p:tgtEl>
+                                        <p:attrNameLst>
+                                          <p:attrName>style.visibility</p:attrName>
+                                        </p:attrNameLst>
+                                      </p:cBhvr>
+                                      <p:to>
+                                        <p:strVal val="visible"/>
+                                      </p:to>
+                                    </p:set>
+                                  </p:childTnLst>
+                                </p:cTn>
+                              </p:par>
+                              <p:par>
+                                <p:cTn id="9" presetID="1" presetClass="entr" presetSubtype="0" fill="hold" grpId="0" nodeType="withEffect">
+                                  <p:stCondLst>
+                                    <p:cond delay="0"/>
+                                  </p:stCondLst>
+                                  <p:childTnLst>
+                                    <p:set>
+                                      <p:cBhvr>
+                                        <p:cTn id="10" dur="1" fill="hold">
+                                          <p:stCondLst>
+                                            <p:cond delay="0"/>
+                                          </p:stCondLst>
+                                        </p:cTn>
+                                        <p:tgtEl>
+                                          <p:spTgt spid="7"/>
+                                        </p:tgtEl>
+                                        <p:attrNameLst>
+                                          <p:attrName>style.visibility</p:attrName>
+                                        </p:attrNameLst>
+                                      </p:cBhvr>
+                                      <p:to>
+                                        <p:strVal val="visible"/>
+                                      </p:to>
+                                    </p:set>
+                                  </p:childTnLst>
+                                </p:cTn>
+                              </p:par>
+                            </p:childTnLst>
+                          </p:cTn>
+                        </p:par>
+                      </p:childTnLst>
+                    </p:cTn>
+                  </p:par>
+                  <p:par>
+                    <p:cTn id="11" fill="hold">
+                      <p:stCondLst>
+                        <p:cond delay="indefinite"/>
+                      </p:stCondLst>
+                      <p:childTnLst>
+                        <p:par>
+                          <p:cTn id="12" fill="hold">
+                            <p:stCondLst>
+                              <p:cond delay="0"/>
+                            </p:stCondLst>
+                            <p:childTnLst>
+                              <p:par>
+                                <p:cTn id="13" presetID="1" presetClass="entr" presetSubtype="0" fill="hold" grpId="0" nodeType="clickEffect">
+                                  <p:stCondLst>
+                                    <p:cond delay="0"/>
+                                  </p:stCondLst>
+                                  <p:childTnLst>
+                                    <p:set>
+                                      <p:cBhvr>
+                                        <p:cTn id="14" dur="1" fill="hold">
+                                          <p:stCondLst>
+                                            <p:cond delay="0"/>
+                                          </p:stCondLst>
+                                        </p:cTn>
+                                        <p:tgtEl>
+                                          <p:spTgt spid="21"/>
+                                        </p:tgtEl>
+                                        <p:attrNameLst>
+                                          <p:attrName>style.visibility</p:attrName>
+                                        </p:attrNameLst>
+                                      </p:cBhvr>
+                                      <p:to>
+                                        <p:strVal val="visible"/>
+                                      </p:to>
+                                    </p:set>
+                                  </p:childTnLst>
+                                </p:cTn>
+                              </p:par>
+                              <p:par>
+                                <p:cTn id="15" presetID="1" presetClass="entr" presetSubtype="0" fill="hold" grpId="0" nodeType="withEffect">
+                                  <p:stCondLst>
+                                    <p:cond delay="0"/>
+                                  </p:stCondLst>
+                                  <p:childTnLst>
+                                    <p:set>
+                                      <p:cBhvr>
+                                        <p:cTn id="16" dur="1" fill="hold">
+                                          <p:stCondLst>
+                                            <p:cond delay="0"/>
+                                          </p:stCondLst>
+                                        </p:cTn>
+                                        <p:tgtEl>
+                                          <p:spTgt spid="23"/>
+                                        </p:tgtEl>
+                                        <p:attrNameLst>
+                                          <p:attrName>style.visibility</p:attrName>
+                                        </p:attrNameLst>
+                                      </p:cBhvr>
+                                      <p:to>
+                                        <p:strVal val="visible"/>
+                                      </p:to>
+                                    </p:set>
+                                  </p:childTnLst>
+                                </p:cTn>
+                              </p:par>
+                              <p:par>
+                                <p:cTn id="17" presetID="1" presetClass="entr" presetSubtype="0" fill="hold" grpId="0" nodeType="withEffect">
+                                  <p:stCondLst>
+                                    <p:cond delay="0"/>
+                                  </p:stCondLst>
+                                  <p:childTnLst>
+                                    <p:set>
+                                      <p:cBhvr>
+                                        <p:cTn id="18" dur="1" fill="hold">
+                                          <p:stCondLst>
+                                            <p:cond delay="0"/>
+                                          </p:stCondLst>
+                                        </p:cTn>
+                                        <p:tgtEl>
+                                          <p:spTgt spid="22"/>
+                                        </p:tgtEl>
+                                        <p:attrNameLst>
+                                          <p:attrName>style.visibility</p:attrName>
+                                        </p:attrNameLst>
+                                      </p:cBhvr>
+                                      <p:to>
+                                        <p:strVal val="visible"/>
+                                      </p:to>
+                                    </p:set>
+                                  </p:childTnLst>
+                                </p:cTn>
+                              </p:par>
+                            </p:childTnLst>
+                          </p:cTn>
+                        </p:par>
+                      </p:childTnLst>
+                    </p:cTn>
+                  </p:par>
+                  <p:par>
+                    <p:cTn id="19" fill="hold">
+                      <p:stCondLst>
+                        <p:cond delay="indefinite"/>
+                      </p:stCondLst>
+                      <p:childTnLst>
+                        <p:par>
+                          <p:cTn id="20" fill="hold">
+                            <p:stCondLst>
+                              <p:cond delay="0"/>
+                            </p:stCondLst>
+                            <p:childTnLst>
+                              <p:par>
+                                <p:cTn id="21" presetID="1" presetClass="entr" presetSubtype="0" fill="hold" grpId="0" nodeType="clickEffect">
+                                  <p:stCondLst>
+                                    <p:cond delay="0"/>
+                                  </p:stCondLst>
+                                  <p:childTnLst>
+                                    <p:set>
+                                      <p:cBhvr>
+                                        <p:cTn id="22" dur="1" fill="hold">
+                                          <p:stCondLst>
+                                            <p:cond delay="0"/>
+                                          </p:stCondLst>
+                                        </p:cTn>
+                                        <p:tgtEl>
+                                          <p:spTgt spid="2"/>
+                                        </p:tgtEl>
+                                        <p:attrNameLst>
+                                          <p:attrName>style.visibility</p:attrName>
+                                        </p:attrNameLst>
+                                      </p:cBhvr>
+                                      <p:to>
+                                        <p:strVal val="visible"/>
+                                      </p:to>
+                                    </p:set>
+                                  </p:childTnLst>
+                                </p:cTn>
+                              </p:par>
+                            </p:childTnLst>
+                          </p:cTn>
+                        </p:par>
+                      </p:childTnLst>
+                    </p:cTn>
+                  </p:par>
+                </p:childTnLst>
+              </p:cTn>
+              <p:prevCondLst>
+                <p:cond evt="onPrev" delay="0">
+                  <p:tgtEl>
+                    <p:sldTgt/>
+                  </p:tgtEl>
+                </p:cond>
+              </p:prevCondLst>
+              <p:nextCondLst>
+                <p:cond evt="onNext" delay="0">
+                  <p:tgtEl>
+                    <p:sldTgt/>
+                  </p:tgtEl>
+                </p:cond>
+              </p:nextCondLst>
+            </p:seq>
+          </p:childTnLst>
+        </p:cTn>
+      </p:par>
+    </p:tnLst>
+    <p:bldLst>
+      <p:bldP spid="6" grpId="0" animBg="1"/>
+      <p:bldP spid="7" grpId="0" animBg="1"/>
+      <p:bldP spid="8" grpId="0" animBg="1"/>
+      <p:bldP spid="21" grpId="0" animBg="1"/>
+      <p:bldP spid="22" grpId="0" animBg="1"/>
+      <p:bldP spid="23" grpId="0" animBg="1"/>
+      <p:bldP spid="2" grpId="0"/>
+    </p:bldLst>
+  </p:timing>
 </p:sld>
 </file>
 
@@ -18009,6 +19285,51 @@
                       </p:childTnLst>
                     </p:cTn>
                   </p:par>
+                  <p:par>
+                    <p:cTn id="25" fill="hold">
+                      <p:stCondLst>
+                        <p:cond delay="indefinite"/>
+                      </p:stCondLst>
+                      <p:childTnLst>
+                        <p:par>
+                          <p:cTn id="26" fill="hold">
+                            <p:stCondLst>
+                              <p:cond delay="0"/>
+                            </p:stCondLst>
+                            <p:childTnLst>
+                              <p:par>
+                                <p:cTn id="27" presetID="1" presetClass="entr" presetSubtype="0" fill="hold" grpId="0" nodeType="clickEffect">
+                                  <p:stCondLst>
+                                    <p:cond delay="0"/>
+                                  </p:stCondLst>
+                                  <p:childTnLst>
+                                    <p:set>
+                                      <p:cBhvr>
+                                        <p:cTn id="28" dur="1" fill="hold">
+                                          <p:stCondLst>
+                                            <p:cond delay="0"/>
+                                          </p:stCondLst>
+                                        </p:cTn>
+                                        <p:tgtEl>
+                                          <p:spTgt spid="5"/>
+                                        </p:tgtEl>
+                                        <p:attrNameLst>
+                                          <p:attrName>style.visibility</p:attrName>
+                                        </p:attrNameLst>
+                                      </p:cBhvr>
+                                      <p:to>
+                                        <p:strVal val="visible"/>
+                                      </p:to>
+                                    </p:set>
+                                  </p:childTnLst>
+                                </p:cTn>
+                              </p:par>
+                            </p:childTnLst>
+                          </p:cTn>
+                        </p:par>
+                      </p:childTnLst>
+                    </p:cTn>
+                  </p:par>
                 </p:childTnLst>
               </p:cTn>
               <p:prevCondLst>
@@ -18030,6 +19351,9 @@
         </p:cTn>
       </p:par>
     </p:tnLst>
+    <p:bldLst>
+      <p:bldP spid="5" grpId="0"/>
+    </p:bldLst>
   </p:timing>
 </p:sld>
 </file>
